--- a/doc/co2amp/images/laser-transitions.pptx
+++ b/doc/co2amp/images/laser-transitions.pptx
@@ -302,7 +302,7 @@
           <a:p>
             <a:fld id="{14FDA196-48ED-4C66-A75B-9C39ECF32E0B}" type="datetimeFigureOut">
               <a:rPr lang="en-US" smtClean="0"/>
-              <a:t>2021-10-21</a:t>
+              <a:t>2024-12-10</a:t>
             </a:fld>
             <a:endParaRPr lang="en-US"/>
           </a:p>
@@ -470,7 +470,7 @@
           <a:p>
             <a:fld id="{14FDA196-48ED-4C66-A75B-9C39ECF32E0B}" type="datetimeFigureOut">
               <a:rPr lang="en-US" smtClean="0"/>
-              <a:t>2021-10-21</a:t>
+              <a:t>2024-12-10</a:t>
             </a:fld>
             <a:endParaRPr lang="en-US"/>
           </a:p>
@@ -648,7 +648,7 @@
           <a:p>
             <a:fld id="{14FDA196-48ED-4C66-A75B-9C39ECF32E0B}" type="datetimeFigureOut">
               <a:rPr lang="en-US" smtClean="0"/>
-              <a:t>2021-10-21</a:t>
+              <a:t>2024-12-10</a:t>
             </a:fld>
             <a:endParaRPr lang="en-US"/>
           </a:p>
@@ -816,7 +816,7 @@
           <a:p>
             <a:fld id="{14FDA196-48ED-4C66-A75B-9C39ECF32E0B}" type="datetimeFigureOut">
               <a:rPr lang="en-US" smtClean="0"/>
-              <a:t>2021-10-21</a:t>
+              <a:t>2024-12-10</a:t>
             </a:fld>
             <a:endParaRPr lang="en-US"/>
           </a:p>
@@ -1061,7 +1061,7 @@
           <a:p>
             <a:fld id="{14FDA196-48ED-4C66-A75B-9C39ECF32E0B}" type="datetimeFigureOut">
               <a:rPr lang="en-US" smtClean="0"/>
-              <a:t>2021-10-21</a:t>
+              <a:t>2024-12-10</a:t>
             </a:fld>
             <a:endParaRPr lang="en-US"/>
           </a:p>
@@ -1346,7 +1346,7 @@
           <a:p>
             <a:fld id="{14FDA196-48ED-4C66-A75B-9C39ECF32E0B}" type="datetimeFigureOut">
               <a:rPr lang="en-US" smtClean="0"/>
-              <a:t>2021-10-21</a:t>
+              <a:t>2024-12-10</a:t>
             </a:fld>
             <a:endParaRPr lang="en-US"/>
           </a:p>
@@ -1765,7 +1765,7 @@
           <a:p>
             <a:fld id="{14FDA196-48ED-4C66-A75B-9C39ECF32E0B}" type="datetimeFigureOut">
               <a:rPr lang="en-US" smtClean="0"/>
-              <a:t>2021-10-21</a:t>
+              <a:t>2024-12-10</a:t>
             </a:fld>
             <a:endParaRPr lang="en-US"/>
           </a:p>
@@ -1882,7 +1882,7 @@
           <a:p>
             <a:fld id="{14FDA196-48ED-4C66-A75B-9C39ECF32E0B}" type="datetimeFigureOut">
               <a:rPr lang="en-US" smtClean="0"/>
-              <a:t>2021-10-21</a:t>
+              <a:t>2024-12-10</a:t>
             </a:fld>
             <a:endParaRPr lang="en-US"/>
           </a:p>
@@ -1977,7 +1977,7 @@
           <a:p>
             <a:fld id="{14FDA196-48ED-4C66-A75B-9C39ECF32E0B}" type="datetimeFigureOut">
               <a:rPr lang="en-US" smtClean="0"/>
-              <a:t>2021-10-21</a:t>
+              <a:t>2024-12-10</a:t>
             </a:fld>
             <a:endParaRPr lang="en-US"/>
           </a:p>
@@ -2252,7 +2252,7 @@
           <a:p>
             <a:fld id="{14FDA196-48ED-4C66-A75B-9C39ECF32E0B}" type="datetimeFigureOut">
               <a:rPr lang="en-US" smtClean="0"/>
-              <a:t>2021-10-21</a:t>
+              <a:t>2024-12-10</a:t>
             </a:fld>
             <a:endParaRPr lang="en-US"/>
           </a:p>
@@ -2504,7 +2504,7 @@
           <a:p>
             <a:fld id="{14FDA196-48ED-4C66-A75B-9C39ECF32E0B}" type="datetimeFigureOut">
               <a:rPr lang="en-US" smtClean="0"/>
-              <a:t>2021-10-21</a:t>
+              <a:t>2024-12-10</a:t>
             </a:fld>
             <a:endParaRPr lang="en-US"/>
           </a:p>
@@ -2715,7 +2715,7 @@
           <a:p>
             <a:fld id="{14FDA196-48ED-4C66-A75B-9C39ECF32E0B}" type="datetimeFigureOut">
               <a:rPr lang="en-US" smtClean="0"/>
-              <a:t>2021-10-21</a:t>
+              <a:t>2024-12-10</a:t>
             </a:fld>
             <a:endParaRPr lang="en-US"/>
           </a:p>
@@ -3471,35 +3471,6 @@
       </p:sp>
       <p:sp>
         <p:nvSpPr>
-          <p:cNvPr id="212" name="TextBox 211"/>
-          <p:cNvSpPr txBox="1"/>
-          <p:nvPr/>
-        </p:nvSpPr>
-        <p:spPr>
-          <a:xfrm>
-            <a:off x="1863933" y="2057399"/>
-            <a:ext cx="947695" cy="246221"/>
-          </a:xfrm>
-          <a:prstGeom prst="rect">
-            <a:avLst/>
-          </a:prstGeom>
-          <a:noFill/>
-        </p:spPr>
-        <p:txBody>
-          <a:bodyPr wrap="none" rtlCol="0">
-            <a:spAutoFit/>
-          </a:bodyPr>
-          <a:lstStyle/>
-          <a:p>
-            <a:r>
-              <a:rPr lang="en-US" sz="1000" b="1" i="1" dirty="0"/>
-              <a:t>Regular bands</a:t>
-            </a:r>
-          </a:p>
-        </p:txBody>
-      </p:sp>
-      <p:sp>
-        <p:nvSpPr>
           <p:cNvPr id="213" name="TextBox 212"/>
           <p:cNvSpPr txBox="1"/>
           <p:nvPr/>
@@ -5343,6 +5314,276 @@
             <a:r>
               <a:rPr lang="en-US" sz="1000" dirty="0"/>
               <a:t>150</a:t>
+            </a:r>
+          </a:p>
+        </p:txBody>
+      </p:sp>
+      <p:sp>
+        <p:nvSpPr>
+          <p:cNvPr id="5" name="Freeform: Shape 4">
+            <a:extLst>
+              <a:ext uri="{FF2B5EF4-FFF2-40B4-BE49-F238E27FC236}">
+                <a16:creationId xmlns:a16="http://schemas.microsoft.com/office/drawing/2014/main" id="{CF26608F-430F-C5DA-DEB7-B757F5A88D15}"/>
+              </a:ext>
+            </a:extLst>
+          </p:cNvPr>
+          <p:cNvSpPr/>
+          <p:nvPr/>
+        </p:nvSpPr>
+        <p:spPr>
+          <a:xfrm>
+            <a:off x="1937678" y="1158137"/>
+            <a:ext cx="274387" cy="1542925"/>
+          </a:xfrm>
+          <a:custGeom>
+            <a:avLst/>
+            <a:gdLst>
+              <a:gd name="connsiteX0" fmla="*/ 300196 w 300196"/>
+              <a:gd name="connsiteY0" fmla="*/ 0 h 1516856"/>
+              <a:gd name="connsiteX1" fmla="*/ 159 w 300196"/>
+              <a:gd name="connsiteY1" fmla="*/ 759619 h 1516856"/>
+              <a:gd name="connsiteX2" fmla="*/ 254952 w 300196"/>
+              <a:gd name="connsiteY2" fmla="*/ 1516856 h 1516856"/>
+              <a:gd name="connsiteX3" fmla="*/ 254952 w 300196"/>
+              <a:gd name="connsiteY3" fmla="*/ 1516856 h 1516856"/>
+              <a:gd name="connsiteX0" fmla="*/ 300196 w 300196"/>
+              <a:gd name="connsiteY0" fmla="*/ 0 h 1516856"/>
+              <a:gd name="connsiteX1" fmla="*/ 159 w 300196"/>
+              <a:gd name="connsiteY1" fmla="*/ 759619 h 1516856"/>
+              <a:gd name="connsiteX2" fmla="*/ 254952 w 300196"/>
+              <a:gd name="connsiteY2" fmla="*/ 1516856 h 1516856"/>
+              <a:gd name="connsiteX3" fmla="*/ 203769 w 300196"/>
+              <a:gd name="connsiteY3" fmla="*/ 1447072 h 1516856"/>
+              <a:gd name="connsiteX0" fmla="*/ 300145 w 300145"/>
+              <a:gd name="connsiteY0" fmla="*/ 0 h 1447072"/>
+              <a:gd name="connsiteX1" fmla="*/ 108 w 300145"/>
+              <a:gd name="connsiteY1" fmla="*/ 759619 h 1447072"/>
+              <a:gd name="connsiteX2" fmla="*/ 262656 w 300145"/>
+              <a:gd name="connsiteY2" fmla="*/ 1447072 h 1447072"/>
+              <a:gd name="connsiteX3" fmla="*/ 203718 w 300145"/>
+              <a:gd name="connsiteY3" fmla="*/ 1447072 h 1447072"/>
+              <a:gd name="connsiteX0" fmla="*/ 300284 w 344997"/>
+              <a:gd name="connsiteY0" fmla="*/ 0 h 1526482"/>
+              <a:gd name="connsiteX1" fmla="*/ 247 w 344997"/>
+              <a:gd name="connsiteY1" fmla="*/ 759619 h 1526482"/>
+              <a:gd name="connsiteX2" fmla="*/ 344996 w 344997"/>
+              <a:gd name="connsiteY2" fmla="*/ 1526482 h 1526482"/>
+              <a:gd name="connsiteX3" fmla="*/ 203857 w 344997"/>
+              <a:gd name="connsiteY3" fmla="*/ 1447072 h 1526482"/>
+              <a:gd name="connsiteX0" fmla="*/ 301819 w 344980"/>
+              <a:gd name="connsiteY0" fmla="*/ 0 h 1506028"/>
+              <a:gd name="connsiteX1" fmla="*/ 231 w 344980"/>
+              <a:gd name="connsiteY1" fmla="*/ 739165 h 1506028"/>
+              <a:gd name="connsiteX2" fmla="*/ 344980 w 344980"/>
+              <a:gd name="connsiteY2" fmla="*/ 1506028 h 1506028"/>
+              <a:gd name="connsiteX3" fmla="*/ 203841 w 344980"/>
+              <a:gd name="connsiteY3" fmla="*/ 1426618 h 1506028"/>
+              <a:gd name="connsiteX0" fmla="*/ 301819 w 344980"/>
+              <a:gd name="connsiteY0" fmla="*/ 0 h 1506028"/>
+              <a:gd name="connsiteX1" fmla="*/ 231 w 344980"/>
+              <a:gd name="connsiteY1" fmla="*/ 739165 h 1506028"/>
+              <a:gd name="connsiteX2" fmla="*/ 344980 w 344980"/>
+              <a:gd name="connsiteY2" fmla="*/ 1506028 h 1506028"/>
+              <a:gd name="connsiteX0" fmla="*/ 312570 w 344873"/>
+              <a:gd name="connsiteY0" fmla="*/ 0 h 1493997"/>
+              <a:gd name="connsiteX1" fmla="*/ 124 w 344873"/>
+              <a:gd name="connsiteY1" fmla="*/ 727134 h 1493997"/>
+              <a:gd name="connsiteX2" fmla="*/ 344873 w 344873"/>
+              <a:gd name="connsiteY2" fmla="*/ 1493997 h 1493997"/>
+              <a:gd name="connsiteX0" fmla="*/ 312748 w 312748"/>
+              <a:gd name="connsiteY0" fmla="*/ 0 h 1356835"/>
+              <a:gd name="connsiteX1" fmla="*/ 302 w 312748"/>
+              <a:gd name="connsiteY1" fmla="*/ 727134 h 1356835"/>
+              <a:gd name="connsiteX2" fmla="*/ 250440 w 312748"/>
+              <a:gd name="connsiteY2" fmla="*/ 1356835 h 1356835"/>
+              <a:gd name="connsiteX0" fmla="*/ 312748 w 312748"/>
+              <a:gd name="connsiteY0" fmla="*/ 0 h 1360445"/>
+              <a:gd name="connsiteX1" fmla="*/ 302 w 312748"/>
+              <a:gd name="connsiteY1" fmla="*/ 727134 h 1360445"/>
+              <a:gd name="connsiteX2" fmla="*/ 250439 w 312748"/>
+              <a:gd name="connsiteY2" fmla="*/ 1360445 h 1360445"/>
+              <a:gd name="connsiteX0" fmla="*/ 355215 w 355215"/>
+              <a:gd name="connsiteY0" fmla="*/ 0 h 1495200"/>
+              <a:gd name="connsiteX1" fmla="*/ 42769 w 355215"/>
+              <a:gd name="connsiteY1" fmla="*/ 727134 h 1495200"/>
+              <a:gd name="connsiteX2" fmla="*/ 2874 w 355215"/>
+              <a:gd name="connsiteY2" fmla="*/ 1495200 h 1495200"/>
+              <a:gd name="connsiteX0" fmla="*/ 312678 w 357387"/>
+              <a:gd name="connsiteY0" fmla="*/ 0 h 1489184"/>
+              <a:gd name="connsiteX1" fmla="*/ 232 w 357387"/>
+              <a:gd name="connsiteY1" fmla="*/ 727134 h 1489184"/>
+              <a:gd name="connsiteX2" fmla="*/ 357386 w 357387"/>
+              <a:gd name="connsiteY2" fmla="*/ 1489184 h 1489184"/>
+              <a:gd name="connsiteX0" fmla="*/ 312725 w 357433"/>
+              <a:gd name="connsiteY0" fmla="*/ 0 h 1489184"/>
+              <a:gd name="connsiteX1" fmla="*/ 279 w 357433"/>
+              <a:gd name="connsiteY1" fmla="*/ 727134 h 1489184"/>
+              <a:gd name="connsiteX2" fmla="*/ 357433 w 357433"/>
+              <a:gd name="connsiteY2" fmla="*/ 1489184 h 1489184"/>
+              <a:gd name="connsiteX0" fmla="*/ 312725 w 357433"/>
+              <a:gd name="connsiteY0" fmla="*/ 0 h 1489184"/>
+              <a:gd name="connsiteX1" fmla="*/ 279 w 357433"/>
+              <a:gd name="connsiteY1" fmla="*/ 727134 h 1489184"/>
+              <a:gd name="connsiteX2" fmla="*/ 357433 w 357433"/>
+              <a:gd name="connsiteY2" fmla="*/ 1489184 h 1489184"/>
+            </a:gdLst>
+            <a:ahLst/>
+            <a:cxnLst>
+              <a:cxn ang="0">
+                <a:pos x="connsiteX0" y="connsiteY0"/>
+              </a:cxn>
+              <a:cxn ang="0">
+                <a:pos x="connsiteX1" y="connsiteY1"/>
+              </a:cxn>
+              <a:cxn ang="0">
+                <a:pos x="connsiteX2" y="connsiteY2"/>
+              </a:cxn>
+            </a:cxnLst>
+            <a:rect l="l" t="t" r="r" b="b"/>
+            <a:pathLst>
+              <a:path w="357433" h="1489184">
+                <a:moveTo>
+                  <a:pt x="312725" y="0"/>
+                </a:moveTo>
+                <a:cubicBezTo>
+                  <a:pt x="135457" y="241373"/>
+                  <a:pt x="-7172" y="478937"/>
+                  <a:pt x="279" y="727134"/>
+                </a:cubicBezTo>
+                <a:cubicBezTo>
+                  <a:pt x="7730" y="975331"/>
+                  <a:pt x="357433" y="1489184"/>
+                  <a:pt x="357433" y="1489184"/>
+                </a:cubicBezTo>
+              </a:path>
+            </a:pathLst>
+          </a:custGeom>
+          <a:noFill/>
+          <a:ln w="9525">
+            <a:solidFill>
+              <a:schemeClr val="tx1">
+                <a:lumMod val="50000"/>
+                <a:lumOff val="50000"/>
+              </a:schemeClr>
+            </a:solidFill>
+            <a:prstDash val="sysDash"/>
+            <a:headEnd type="none" w="med" len="med"/>
+            <a:tailEnd type="arrow" w="med" len="med"/>
+          </a:ln>
+        </p:spPr>
+        <p:style>
+          <a:lnRef idx="2">
+            <a:schemeClr val="accent1">
+              <a:shade val="15000"/>
+            </a:schemeClr>
+          </a:lnRef>
+          <a:fillRef idx="1">
+            <a:schemeClr val="accent1"/>
+          </a:fillRef>
+          <a:effectRef idx="0">
+            <a:schemeClr val="accent1"/>
+          </a:effectRef>
+          <a:fontRef idx="minor">
+            <a:schemeClr val="lt1"/>
+          </a:fontRef>
+        </p:style>
+        <p:txBody>
+          <a:bodyPr rtlCol="0" anchor="ctr"/>
+          <a:lstStyle/>
+          <a:p>
+            <a:pPr algn="ctr"/>
+            <a:endParaRPr lang="en-US"/>
+          </a:p>
+        </p:txBody>
+      </p:sp>
+      <p:sp>
+        <p:nvSpPr>
+          <p:cNvPr id="6" name="TextBox 5">
+            <a:extLst>
+              <a:ext uri="{FF2B5EF4-FFF2-40B4-BE49-F238E27FC236}">
+                <a16:creationId xmlns:a16="http://schemas.microsoft.com/office/drawing/2014/main" id="{CC92A7FE-B28D-14D6-10AF-8063948819CC}"/>
+              </a:ext>
+            </a:extLst>
+          </p:cNvPr>
+          <p:cNvSpPr txBox="1"/>
+          <p:nvPr/>
+        </p:nvSpPr>
+        <p:spPr>
+          <a:xfrm>
+            <a:off x="1912233" y="1670322"/>
+            <a:ext cx="516488" cy="400110"/>
+          </a:xfrm>
+          <a:prstGeom prst="rect">
+            <a:avLst/>
+          </a:prstGeom>
+          <a:noFill/>
+        </p:spPr>
+        <p:txBody>
+          <a:bodyPr wrap="none" rtlCol="0">
+            <a:spAutoFit/>
+          </a:bodyPr>
+          <a:lstStyle/>
+          <a:p>
+            <a:r>
+              <a:rPr lang="en-US" sz="1000" b="1" i="1" dirty="0">
+                <a:solidFill>
+                  <a:schemeClr val="tx1">
+                    <a:lumMod val="50000"/>
+                    <a:lumOff val="50000"/>
+                  </a:schemeClr>
+                </a:solidFill>
+              </a:rPr>
+              <a:t>4 µm</a:t>
+            </a:r>
+            <a:br>
+              <a:rPr lang="en-US" sz="1000" b="1" i="1" dirty="0">
+                <a:solidFill>
+                  <a:schemeClr val="tx1">
+                    <a:lumMod val="50000"/>
+                    <a:lumOff val="50000"/>
+                  </a:schemeClr>
+                </a:solidFill>
+              </a:rPr>
+            </a:br>
+            <a:r>
+              <a:rPr lang="en-US" sz="1000" b="1" i="1" dirty="0">
+                <a:solidFill>
+                  <a:schemeClr val="tx1">
+                    <a:lumMod val="50000"/>
+                    <a:lumOff val="50000"/>
+                  </a:schemeClr>
+                </a:solidFill>
+              </a:rPr>
+              <a:t>bands</a:t>
+            </a:r>
+          </a:p>
+        </p:txBody>
+      </p:sp>
+      <p:sp>
+        <p:nvSpPr>
+          <p:cNvPr id="212" name="TextBox 211"/>
+          <p:cNvSpPr txBox="1"/>
+          <p:nvPr/>
+        </p:nvSpPr>
+        <p:spPr>
+          <a:xfrm>
+            <a:off x="2688883" y="2272760"/>
+            <a:ext cx="947695" cy="246221"/>
+          </a:xfrm>
+          <a:prstGeom prst="rect">
+            <a:avLst/>
+          </a:prstGeom>
+          <a:noFill/>
+        </p:spPr>
+        <p:txBody>
+          <a:bodyPr wrap="none" rtlCol="0">
+            <a:spAutoFit/>
+          </a:bodyPr>
+          <a:lstStyle/>
+          <a:p>
+            <a:r>
+              <a:rPr lang="en-US" sz="1000" b="1" i="1" dirty="0"/>
+              <a:t>Regular bands</a:t>
             </a:r>
           </a:p>
         </p:txBody>
